--- a/courses/cse3400-s2023/lecture8.pptx
+++ b/courses/cse3400-s2023/lecture8.pptx
@@ -7073,7 +7073,7 @@
                   <a:spcPct val="0"/>
                 </a:spcBef>
               </a:pPr>
-              <a:t>3/16/21</a:t>
+              <a:t>3/28/23</a:t>
             </a:fld>
             <a:endParaRPr lang="en-US" altLang="en-US">
               <a:latin typeface="Arial" panose="020B0604020202020204" pitchFamily="34" charset="0"/>
@@ -8998,7 +8998,7 @@
                   <a:spcPct val="0"/>
                 </a:spcBef>
               </a:pPr>
-              <a:t>3/16/21</a:t>
+              <a:t>3/28/23</a:t>
             </a:fld>
             <a:endParaRPr lang="en-US" altLang="en-US">
               <a:latin typeface="Arial" panose="020B0604020202020204" pitchFamily="34" charset="0"/>
@@ -9414,7 +9414,7 @@
                   <a:spcPct val="0"/>
                 </a:spcBef>
               </a:pPr>
-              <a:t>3/16/21</a:t>
+              <a:t>3/28/23</a:t>
             </a:fld>
             <a:endParaRPr lang="en-US" altLang="en-US">
               <a:latin typeface="Arial" panose="020B0604020202020204" pitchFamily="34" charset="0"/>
@@ -11339,7 +11339,7 @@
                   <a:spcPct val="0"/>
                 </a:spcBef>
               </a:pPr>
-              <a:t>3/16/21</a:t>
+              <a:t>3/28/23</a:t>
             </a:fld>
             <a:endParaRPr lang="en-US" altLang="en-US">
               <a:latin typeface="Arial" panose="020B0604020202020204" pitchFamily="34" charset="0"/>
@@ -19201,8 +19201,8 @@
           </a:p>
         </p:txBody>
       </p:sp>
-      <mc:AlternateContent xmlns:mc="http://schemas.openxmlformats.org/markup-compatibility/2006">
-        <mc:Choice xmlns:a14="http://schemas.microsoft.com/office/drawing/2010/main" Requires="a14">
+      <mc:AlternateContent xmlns:mc="http://schemas.openxmlformats.org/markup-compatibility/2006" xmlns:a14="http://schemas.microsoft.com/office/drawing/2010/main">
+        <mc:Choice Requires="a14">
           <p:sp>
             <p:nvSpPr>
               <p:cNvPr id="3" name="Content Placeholder 2"/>
@@ -19469,7 +19469,7 @@
             </p:txBody>
           </p:sp>
         </mc:Choice>
-        <mc:Fallback>
+        <mc:Fallback xmlns="">
           <p:sp>
             <p:nvSpPr>
               <p:cNvPr id="3" name="Content Placeholder 2"/>
@@ -35946,7 +35946,13 @@
               <a:rPr lang="en-US" altLang="he-IL" dirty="0">
                 <a:sym typeface="Wingdings" panose="05000000000000000000" pitchFamily="2" charset="2"/>
               </a:rPr>
-              <a:t>Sections 5.1 and 5.2 </a:t>
+              <a:t>Sections 5.1 </a:t>
+            </a:r>
+            <a:r>
+              <a:rPr lang="en-US" altLang="he-IL">
+                <a:sym typeface="Wingdings" panose="05000000000000000000" pitchFamily="2" charset="2"/>
+              </a:rPr>
+              <a:t>and 5.2</a:t>
             </a:r>
             <a:endParaRPr lang="en-US" altLang="he-IL" dirty="0"/>
           </a:p>
